--- a/presentations/index_m.pptx
+++ b/presentations/index_m.pptx
@@ -18,8 +18,11 @@
     <p:sldId id="274" r:id="rId12"/>
     <p:sldId id="268" r:id="rId13"/>
     <p:sldId id="269" r:id="rId14"/>
-    <p:sldId id="271" r:id="rId15"/>
-    <p:sldId id="272" r:id="rId16"/>
+    <p:sldId id="275" r:id="rId15"/>
+    <p:sldId id="276" r:id="rId16"/>
+    <p:sldId id="277" r:id="rId17"/>
+    <p:sldId id="271" r:id="rId18"/>
+    <p:sldId id="272" r:id="rId19"/>
   </p:sldIdLst>
   <p:sldSz cx="9144000" cy="5143500" type="screen16x9"/>
   <p:notesSz cx="6858000" cy="9144000"/>
@@ -316,7 +319,7 @@
           <a:p>
             <a:fld id="{241EB5C9-1307-BA42-ABA2-0BC069CD8E7F}" type="datetimeFigureOut">
               <a:rPr lang="en-US" smtClean="0"/>
-              <a:t>6/3/24</a:t>
+              <a:t>6/11/24</a:t>
             </a:fld>
             <a:endParaRPr lang="en-US"/>
           </a:p>
@@ -484,7 +487,7 @@
           <a:p>
             <a:fld id="{241EB5C9-1307-BA42-ABA2-0BC069CD8E7F}" type="datetimeFigureOut">
               <a:rPr lang="en-US" smtClean="0"/>
-              <a:t>6/3/24</a:t>
+              <a:t>6/11/24</a:t>
             </a:fld>
             <a:endParaRPr lang="en-US"/>
           </a:p>
@@ -662,7 +665,7 @@
           <a:p>
             <a:fld id="{241EB5C9-1307-BA42-ABA2-0BC069CD8E7F}" type="datetimeFigureOut">
               <a:rPr lang="en-US" smtClean="0"/>
-              <a:t>6/3/24</a:t>
+              <a:t>6/11/24</a:t>
             </a:fld>
             <a:endParaRPr lang="en-US"/>
           </a:p>
@@ -830,7 +833,7 @@
           <a:p>
             <a:fld id="{241EB5C9-1307-BA42-ABA2-0BC069CD8E7F}" type="datetimeFigureOut">
               <a:rPr lang="en-US" smtClean="0"/>
-              <a:t>6/3/24</a:t>
+              <a:t>6/11/24</a:t>
             </a:fld>
             <a:endParaRPr lang="en-US"/>
           </a:p>
@@ -1075,7 +1078,7 @@
           <a:p>
             <a:fld id="{241EB5C9-1307-BA42-ABA2-0BC069CD8E7F}" type="datetimeFigureOut">
               <a:rPr lang="en-US" smtClean="0"/>
-              <a:t>6/3/24</a:t>
+              <a:t>6/11/24</a:t>
             </a:fld>
             <a:endParaRPr lang="en-US"/>
           </a:p>
@@ -1360,7 +1363,7 @@
           <a:p>
             <a:fld id="{241EB5C9-1307-BA42-ABA2-0BC069CD8E7F}" type="datetimeFigureOut">
               <a:rPr lang="en-US" smtClean="0"/>
-              <a:t>6/3/24</a:t>
+              <a:t>6/11/24</a:t>
             </a:fld>
             <a:endParaRPr lang="en-US"/>
           </a:p>
@@ -1779,7 +1782,7 @@
           <a:p>
             <a:fld id="{241EB5C9-1307-BA42-ABA2-0BC069CD8E7F}" type="datetimeFigureOut">
               <a:rPr lang="en-US" smtClean="0"/>
-              <a:t>6/3/24</a:t>
+              <a:t>6/11/24</a:t>
             </a:fld>
             <a:endParaRPr lang="en-US"/>
           </a:p>
@@ -1896,7 +1899,7 @@
           <a:p>
             <a:fld id="{241EB5C9-1307-BA42-ABA2-0BC069CD8E7F}" type="datetimeFigureOut">
               <a:rPr lang="en-US" smtClean="0"/>
-              <a:t>6/3/24</a:t>
+              <a:t>6/11/24</a:t>
             </a:fld>
             <a:endParaRPr lang="en-US"/>
           </a:p>
@@ -1991,7 +1994,7 @@
           <a:p>
             <a:fld id="{241EB5C9-1307-BA42-ABA2-0BC069CD8E7F}" type="datetimeFigureOut">
               <a:rPr lang="en-US" smtClean="0"/>
-              <a:t>6/3/24</a:t>
+              <a:t>6/11/24</a:t>
             </a:fld>
             <a:endParaRPr lang="en-US"/>
           </a:p>
@@ -2266,7 +2269,7 @@
           <a:p>
             <a:fld id="{241EB5C9-1307-BA42-ABA2-0BC069CD8E7F}" type="datetimeFigureOut">
               <a:rPr lang="en-US" smtClean="0"/>
-              <a:t>6/3/24</a:t>
+              <a:t>6/11/24</a:t>
             </a:fld>
             <a:endParaRPr lang="en-US"/>
           </a:p>
@@ -2518,7 +2521,7 @@
           <a:p>
             <a:fld id="{241EB5C9-1307-BA42-ABA2-0BC069CD8E7F}" type="datetimeFigureOut">
               <a:rPr lang="en-US" smtClean="0"/>
-              <a:t>6/3/24</a:t>
+              <a:t>6/11/24</a:t>
             </a:fld>
             <a:endParaRPr lang="en-US"/>
           </a:p>
@@ -2729,7 +2732,7 @@
           <a:p>
             <a:fld id="{241EB5C9-1307-BA42-ABA2-0BC069CD8E7F}" type="datetimeFigureOut">
               <a:rPr lang="en-US" smtClean="0"/>
-              <a:t>6/3/24</a:t>
+              <a:t>6/11/24</a:t>
             </a:fld>
             <a:endParaRPr lang="en-US"/>
           </a:p>
@@ -3187,8 +3190,8 @@
           <a:chExt cx="0" cy="0"/>
         </a:xfrm>
       </p:grpSpPr>
-      <mc:AlternateContent xmlns:mc="http://schemas.openxmlformats.org/markup-compatibility/2006" xmlns:a14="http://schemas.microsoft.com/office/drawing/2010/main">
-        <mc:Choice Requires="a14">
+      <mc:AlternateContent xmlns:mc="http://schemas.openxmlformats.org/markup-compatibility/2006">
+        <mc:Choice xmlns:a14="http://schemas.microsoft.com/office/drawing/2010/main" Requires="a14">
           <p:sp>
             <p:nvSpPr>
               <p:cNvPr id="3" name="Content Placeholder 2"/>
@@ -3236,14 +3239,14 @@
                       <m:sSub>
                         <m:sSubPr>
                           <m:ctrlPr>
-                            <a:rPr i="1">
+                            <a:rPr lang="ar-AE" i="1">
                               <a:latin typeface="Cambria Math" panose="02040503050406030204" pitchFamily="18" charset="0"/>
                             </a:rPr>
                           </m:ctrlPr>
                         </m:sSubPr>
                         <m:e>
                           <m:r>
-                            <a:rPr>
+                            <a:rPr lang="ar-AE">
                               <a:latin typeface="Cambria Math" panose="02040503050406030204" pitchFamily="18" charset="0"/>
                             </a:rPr>
                             <m:t>𝑢</m:t>
@@ -3251,13 +3254,13 @@
                         </m:e>
                         <m:sub>
                           <m:r>
-                            <a:rPr>
+                            <a:rPr lang="ar-AE">
                               <a:latin typeface="Cambria Math" panose="02040503050406030204" pitchFamily="18" charset="0"/>
                             </a:rPr>
                             <m:t>𝛼</m:t>
                           </m:r>
                           <m:r>
-                            <a:rPr>
+                            <a:rPr lang="ar-AE">
                               <a:latin typeface="Cambria Math" panose="02040503050406030204" pitchFamily="18" charset="0"/>
                             </a:rPr>
                             <m:t>𝑥</m:t>
@@ -3267,14 +3270,14 @@
                       <m:box>
                         <m:boxPr>
                           <m:ctrlPr>
-                            <a:rPr i="1">
+                            <a:rPr lang="ar-AE" i="1">
                               <a:latin typeface="Cambria Math" panose="02040503050406030204" pitchFamily="18" charset="0"/>
                             </a:rPr>
                           </m:ctrlPr>
                         </m:boxPr>
                         <m:e>
                           <m:r>
-                            <a:rPr>
+                            <a:rPr lang="ar-AE">
                               <a:latin typeface="Cambria Math" panose="02040503050406030204" pitchFamily="18" charset="0"/>
                             </a:rPr>
                             <m:t>:=</m:t>
@@ -3284,14 +3287,14 @@
                       <m:sSub>
                         <m:sSubPr>
                           <m:ctrlPr>
-                            <a:rPr i="1">
+                            <a:rPr lang="ar-AE" i="1">
                               <a:latin typeface="Cambria Math" panose="02040503050406030204" pitchFamily="18" charset="0"/>
                             </a:rPr>
                           </m:ctrlPr>
                         </m:sSubPr>
                         <m:e>
                           <m:r>
-                            <a:rPr>
+                            <a:rPr lang="ar-AE">
                               <a:latin typeface="Cambria Math" panose="02040503050406030204" pitchFamily="18" charset="0"/>
                             </a:rPr>
                             <m:t>𝜆</m:t>
@@ -3299,13 +3302,13 @@
                         </m:e>
                         <m:sub>
                           <m:r>
-                            <a:rPr>
+                            <a:rPr lang="ar-AE">
                               <a:latin typeface="Cambria Math" panose="02040503050406030204" pitchFamily="18" charset="0"/>
                             </a:rPr>
                             <m:t>𝛼</m:t>
                           </m:r>
                           <m:r>
-                            <a:rPr>
+                            <a:rPr lang="ar-AE">
                               <a:latin typeface="Cambria Math" panose="02040503050406030204" pitchFamily="18" charset="0"/>
                             </a:rPr>
                             <m:t>𝑥</m:t>
@@ -3315,14 +3318,14 @@
                       <m:sSub>
                         <m:sSubPr>
                           <m:ctrlPr>
-                            <a:rPr i="1">
+                            <a:rPr lang="ar-AE" i="1">
                               <a:latin typeface="Cambria Math" panose="02040503050406030204" pitchFamily="18" charset="0"/>
                             </a:rPr>
                           </m:ctrlPr>
                         </m:sSubPr>
                         <m:e>
                           <m:r>
-                            <a:rPr>
+                            <a:rPr lang="ar-AE">
                               <a:latin typeface="Cambria Math" panose="02040503050406030204" pitchFamily="18" charset="0"/>
                             </a:rPr>
                             <m:t>𝑢</m:t>
@@ -3330,13 +3333,13 @@
                         </m:e>
                         <m:sub>
                           <m:r>
-                            <a:rPr>
+                            <a:rPr lang="ar-AE">
                               <a:latin typeface="Cambria Math" panose="02040503050406030204" pitchFamily="18" charset="0"/>
                             </a:rPr>
                             <m:t>1</m:t>
                           </m:r>
                           <m:r>
-                            <a:rPr>
+                            <a:rPr lang="ar-AE">
                               <a:latin typeface="Cambria Math" panose="02040503050406030204" pitchFamily="18" charset="0"/>
                             </a:rPr>
                             <m:t>𝑥</m:t>
@@ -3344,7 +3347,7 @@
                         </m:sub>
                       </m:sSub>
                       <m:r>
-                        <a:rPr>
+                        <a:rPr lang="ar-AE">
                           <a:latin typeface="Cambria Math" panose="02040503050406030204" pitchFamily="18" charset="0"/>
                         </a:rPr>
                         <m:t>, </m:t>
@@ -3352,14 +3355,14 @@
                       <m:sSub>
                         <m:sSubPr>
                           <m:ctrlPr>
-                            <a:rPr i="1">
+                            <a:rPr lang="ar-AE" i="1">
                               <a:latin typeface="Cambria Math" panose="02040503050406030204" pitchFamily="18" charset="0"/>
                             </a:rPr>
                           </m:ctrlPr>
                         </m:sSubPr>
                         <m:e>
                           <m:r>
-                            <a:rPr>
+                            <a:rPr lang="ar-AE">
                               <a:latin typeface="Cambria Math" panose="02040503050406030204" pitchFamily="18" charset="0"/>
                             </a:rPr>
                             <m:t>𝑢</m:t>
@@ -3367,13 +3370,13 @@
                         </m:e>
                         <m:sub>
                           <m:r>
-                            <a:rPr>
+                            <a:rPr lang="ar-AE">
                               <a:latin typeface="Cambria Math" panose="02040503050406030204" pitchFamily="18" charset="0"/>
                             </a:rPr>
                             <m:t>𝛼</m:t>
                           </m:r>
                           <m:r>
-                            <a:rPr>
+                            <a:rPr lang="ar-AE">
                               <a:latin typeface="Cambria Math" panose="02040503050406030204" pitchFamily="18" charset="0"/>
                             </a:rPr>
                             <m:t>𝑦</m:t>
@@ -3383,14 +3386,14 @@
                       <m:box>
                         <m:boxPr>
                           <m:ctrlPr>
-                            <a:rPr i="1">
+                            <a:rPr lang="ar-AE" i="1">
                               <a:latin typeface="Cambria Math" panose="02040503050406030204" pitchFamily="18" charset="0"/>
                             </a:rPr>
                           </m:ctrlPr>
                         </m:boxPr>
                         <m:e>
                           <m:r>
-                            <a:rPr>
+                            <a:rPr lang="ar-AE">
                               <a:latin typeface="Cambria Math" panose="02040503050406030204" pitchFamily="18" charset="0"/>
                             </a:rPr>
                             <m:t>:=</m:t>
@@ -3400,14 +3403,14 @@
                       <m:sSub>
                         <m:sSubPr>
                           <m:ctrlPr>
-                            <a:rPr i="1">
+                            <a:rPr lang="ar-AE" i="1">
                               <a:latin typeface="Cambria Math" panose="02040503050406030204" pitchFamily="18" charset="0"/>
                             </a:rPr>
                           </m:ctrlPr>
                         </m:sSubPr>
                         <m:e>
                           <m:r>
-                            <a:rPr>
+                            <a:rPr lang="ar-AE">
                               <a:latin typeface="Cambria Math" panose="02040503050406030204" pitchFamily="18" charset="0"/>
                             </a:rPr>
                             <m:t>𝜆</m:t>
@@ -3415,13 +3418,13 @@
                         </m:e>
                         <m:sub>
                           <m:r>
-                            <a:rPr>
+                            <a:rPr lang="ar-AE">
                               <a:latin typeface="Cambria Math" panose="02040503050406030204" pitchFamily="18" charset="0"/>
                             </a:rPr>
                             <m:t>𝛼</m:t>
                           </m:r>
                           <m:r>
-                            <a:rPr>
+                            <a:rPr lang="ar-AE">
                               <a:latin typeface="Cambria Math" panose="02040503050406030204" pitchFamily="18" charset="0"/>
                             </a:rPr>
                             <m:t>𝑦</m:t>
@@ -3431,14 +3434,14 @@
                       <m:sSub>
                         <m:sSubPr>
                           <m:ctrlPr>
-                            <a:rPr i="1">
+                            <a:rPr lang="ar-AE" i="1">
                               <a:latin typeface="Cambria Math" panose="02040503050406030204" pitchFamily="18" charset="0"/>
                             </a:rPr>
                           </m:ctrlPr>
                         </m:sSubPr>
                         <m:e>
                           <m:r>
-                            <a:rPr>
+                            <a:rPr lang="ar-AE">
                               <a:latin typeface="Cambria Math" panose="02040503050406030204" pitchFamily="18" charset="0"/>
                             </a:rPr>
                             <m:t>𝑢</m:t>
@@ -3446,13 +3449,13 @@
                         </m:e>
                         <m:sub>
                           <m:r>
-                            <a:rPr>
+                            <a:rPr lang="ar-AE">
                               <a:latin typeface="Cambria Math" panose="02040503050406030204" pitchFamily="18" charset="0"/>
                             </a:rPr>
                             <m:t>1</m:t>
                           </m:r>
                           <m:r>
-                            <a:rPr>
+                            <a:rPr lang="ar-AE">
                               <a:latin typeface="Cambria Math" panose="02040503050406030204" pitchFamily="18" charset="0"/>
                             </a:rPr>
                             <m:t>𝑦</m:t>
@@ -3460,7 +3463,7 @@
                         </m:sub>
                       </m:sSub>
                       <m:r>
-                        <a:rPr>
+                        <a:rPr lang="ar-AE">
                           <a:latin typeface="Cambria Math" panose="02040503050406030204" pitchFamily="18" charset="0"/>
                         </a:rPr>
                         <m:t>, </m:t>
@@ -3468,14 +3471,14 @@
                       <m:sSub>
                         <m:sSubPr>
                           <m:ctrlPr>
-                            <a:rPr i="1">
+                            <a:rPr lang="ar-AE" i="1">
                               <a:latin typeface="Cambria Math" panose="02040503050406030204" pitchFamily="18" charset="0"/>
                             </a:rPr>
                           </m:ctrlPr>
                         </m:sSubPr>
                         <m:e>
                           <m:r>
-                            <a:rPr>
+                            <a:rPr lang="ar-AE">
                               <a:latin typeface="Cambria Math" panose="02040503050406030204" pitchFamily="18" charset="0"/>
                             </a:rPr>
                             <m:t>𝑢</m:t>
@@ -3483,13 +3486,13 @@
                         </m:e>
                         <m:sub>
                           <m:r>
-                            <a:rPr>
+                            <a:rPr lang="ar-AE">
                               <a:latin typeface="Cambria Math" panose="02040503050406030204" pitchFamily="18" charset="0"/>
                             </a:rPr>
                             <m:t>𝛼</m:t>
                           </m:r>
                           <m:r>
-                            <a:rPr>
+                            <a:rPr lang="ar-AE">
                               <a:latin typeface="Cambria Math" panose="02040503050406030204" pitchFamily="18" charset="0"/>
                             </a:rPr>
                             <m:t>𝑧</m:t>
@@ -3499,14 +3502,14 @@
                       <m:box>
                         <m:boxPr>
                           <m:ctrlPr>
-                            <a:rPr i="1">
+                            <a:rPr lang="ar-AE" i="1">
                               <a:latin typeface="Cambria Math" panose="02040503050406030204" pitchFamily="18" charset="0"/>
                             </a:rPr>
                           </m:ctrlPr>
                         </m:boxPr>
                         <m:e>
                           <m:r>
-                            <a:rPr>
+                            <a:rPr lang="ar-AE">
                               <a:latin typeface="Cambria Math" panose="02040503050406030204" pitchFamily="18" charset="0"/>
                             </a:rPr>
                             <m:t>:=</m:t>
@@ -3516,14 +3519,14 @@
                       <m:sSub>
                         <m:sSubPr>
                           <m:ctrlPr>
-                            <a:rPr i="1">
+                            <a:rPr lang="ar-AE" i="1">
                               <a:latin typeface="Cambria Math" panose="02040503050406030204" pitchFamily="18" charset="0"/>
                             </a:rPr>
                           </m:ctrlPr>
                         </m:sSubPr>
                         <m:e>
                           <m:r>
-                            <a:rPr>
+                            <a:rPr lang="ar-AE">
                               <a:latin typeface="Cambria Math" panose="02040503050406030204" pitchFamily="18" charset="0"/>
                             </a:rPr>
                             <m:t>𝜆</m:t>
@@ -3531,13 +3534,13 @@
                         </m:e>
                         <m:sub>
                           <m:r>
-                            <a:rPr>
+                            <a:rPr lang="ar-AE">
                               <a:latin typeface="Cambria Math" panose="02040503050406030204" pitchFamily="18" charset="0"/>
                             </a:rPr>
                             <m:t>𝛼</m:t>
                           </m:r>
                           <m:r>
-                            <a:rPr>
+                            <a:rPr lang="ar-AE">
                               <a:latin typeface="Cambria Math" panose="02040503050406030204" pitchFamily="18" charset="0"/>
                             </a:rPr>
                             <m:t>𝑧</m:t>
@@ -3547,14 +3550,14 @@
                       <m:sSub>
                         <m:sSubPr>
                           <m:ctrlPr>
-                            <a:rPr i="1">
+                            <a:rPr lang="ar-AE" i="1">
                               <a:latin typeface="Cambria Math" panose="02040503050406030204" pitchFamily="18" charset="0"/>
                             </a:rPr>
                           </m:ctrlPr>
                         </m:sSubPr>
                         <m:e>
                           <m:r>
-                            <a:rPr>
+                            <a:rPr lang="ar-AE">
                               <a:latin typeface="Cambria Math" panose="02040503050406030204" pitchFamily="18" charset="0"/>
                             </a:rPr>
                             <m:t>𝑢</m:t>
@@ -3562,13 +3565,13 @@
                         </m:e>
                         <m:sub>
                           <m:r>
-                            <a:rPr>
+                            <a:rPr lang="ar-AE">
                               <a:latin typeface="Cambria Math" panose="02040503050406030204" pitchFamily="18" charset="0"/>
                             </a:rPr>
                             <m:t>1</m:t>
                           </m:r>
                           <m:r>
-                            <a:rPr>
+                            <a:rPr lang="ar-AE">
                               <a:latin typeface="Cambria Math" panose="02040503050406030204" pitchFamily="18" charset="0"/>
                             </a:rPr>
                             <m:t>𝑧</m:t>
@@ -3576,7 +3579,7 @@
                         </m:sub>
                       </m:sSub>
                       <m:r>
-                        <a:rPr>
+                        <a:rPr lang="ar-AE">
                           <a:latin typeface="Cambria Math" panose="02040503050406030204" pitchFamily="18" charset="0"/>
                         </a:rPr>
                         <m:t>, </m:t>
@@ -3584,14 +3587,14 @@
                       <m:sSub>
                         <m:sSubPr>
                           <m:ctrlPr>
-                            <a:rPr i="1">
+                            <a:rPr lang="ar-AE" i="1">
                               <a:latin typeface="Cambria Math" panose="02040503050406030204" pitchFamily="18" charset="0"/>
                             </a:rPr>
                           </m:ctrlPr>
                         </m:sSubPr>
                         <m:e>
                           <m:r>
-                            <a:rPr>
+                            <a:rPr lang="ar-AE">
                               <a:latin typeface="Cambria Math" panose="02040503050406030204" pitchFamily="18" charset="0"/>
                             </a:rPr>
                             <m:t>𝑛</m:t>
@@ -3599,7 +3602,7 @@
                         </m:e>
                         <m:sub>
                           <m:r>
-                            <a:rPr>
+                            <a:rPr lang="ar-AE">
                               <a:latin typeface="Cambria Math" panose="02040503050406030204" pitchFamily="18" charset="0"/>
                             </a:rPr>
                             <m:t>𝛼</m:t>
@@ -3609,14 +3612,14 @@
                       <m:box>
                         <m:boxPr>
                           <m:ctrlPr>
-                            <a:rPr i="1">
+                            <a:rPr lang="ar-AE" i="1">
                               <a:latin typeface="Cambria Math" panose="02040503050406030204" pitchFamily="18" charset="0"/>
                             </a:rPr>
                           </m:ctrlPr>
                         </m:boxPr>
                         <m:e>
                           <m:r>
-                            <a:rPr>
+                            <a:rPr lang="ar-AE">
                               <a:latin typeface="Cambria Math" panose="02040503050406030204" pitchFamily="18" charset="0"/>
                             </a:rPr>
                             <m:t>:=</m:t>
@@ -3626,14 +3629,14 @@
                       <m:sSub>
                         <m:sSubPr>
                           <m:ctrlPr>
-                            <a:rPr i="1">
+                            <a:rPr lang="ar-AE" i="1">
                               <a:latin typeface="Cambria Math" panose="02040503050406030204" pitchFamily="18" charset="0"/>
                             </a:rPr>
                           </m:ctrlPr>
                         </m:sSubPr>
                         <m:e>
                           <m:r>
-                            <a:rPr>
+                            <a:rPr lang="ar-AE">
                               <a:latin typeface="Cambria Math" panose="02040503050406030204" pitchFamily="18" charset="0"/>
                             </a:rPr>
                             <m:t>𝜆</m:t>
@@ -3641,13 +3644,13 @@
                         </m:e>
                         <m:sub>
                           <m:r>
-                            <a:rPr>
+                            <a:rPr lang="ar-AE">
                               <a:latin typeface="Cambria Math" panose="02040503050406030204" pitchFamily="18" charset="0"/>
                             </a:rPr>
                             <m:t>𝛼</m:t>
                           </m:r>
                           <m:r>
-                            <a:rPr>
+                            <a:rPr lang="ar-AE">
                               <a:latin typeface="Cambria Math" panose="02040503050406030204" pitchFamily="18" charset="0"/>
                             </a:rPr>
                             <m:t>𝑛</m:t>
@@ -3657,14 +3660,14 @@
                       <m:sSub>
                         <m:sSubPr>
                           <m:ctrlPr>
-                            <a:rPr i="1">
+                            <a:rPr lang="ar-AE" i="1">
                               <a:latin typeface="Cambria Math" panose="02040503050406030204" pitchFamily="18" charset="0"/>
                             </a:rPr>
                           </m:ctrlPr>
                         </m:sSubPr>
                         <m:e>
                           <m:r>
-                            <a:rPr>
+                            <a:rPr lang="ar-AE">
                               <a:latin typeface="Cambria Math" panose="02040503050406030204" pitchFamily="18" charset="0"/>
                             </a:rPr>
                             <m:t>𝑛</m:t>
@@ -3672,7 +3675,7 @@
                         </m:e>
                         <m:sub>
                           <m:r>
-                            <a:rPr>
+                            <a:rPr lang="ar-AE">
                               <a:latin typeface="Cambria Math" panose="02040503050406030204" pitchFamily="18" charset="0"/>
                             </a:rPr>
                             <m:t>1</m:t>
@@ -3682,7 +3685,7 @@
                     </m:oMath>
                   </m:oMathPara>
                 </a14:m>
-                <a:endParaRPr dirty="0"/>
+                <a:endParaRPr lang="ar-AE" dirty="0"/>
               </a:p>
               <a:p>
                 <a:pPr marL="0" lvl="0" indent="0">
@@ -4752,7 +4755,7 @@
             </p:txBody>
           </p:sp>
         </mc:Choice>
-        <mc:Fallback xmlns="">
+        <mc:Fallback>
           <p:sp>
             <p:nvSpPr>
               <p:cNvPr id="3" name="Content Placeholder 2"/>
@@ -8683,6 +8686,875 @@
           <a:chExt cx="0" cy="0"/>
         </a:xfrm>
       </p:grpSpPr>
+      <p:pic>
+        <p:nvPicPr>
+          <p:cNvPr id="11" name="Picture 10">
+            <a:extLst>
+              <a:ext uri="{FF2B5EF4-FFF2-40B4-BE49-F238E27FC236}">
+                <a16:creationId xmlns:a16="http://schemas.microsoft.com/office/drawing/2014/main" id="{6CF8EF15-6AE0-AB30-4C27-8F1341BBDF1E}"/>
+              </a:ext>
+            </a:extLst>
+          </p:cNvPr>
+          <p:cNvPicPr>
+            <a:picLocks noChangeAspect="1"/>
+          </p:cNvPicPr>
+          <p:nvPr/>
+        </p:nvPicPr>
+        <p:blipFill>
+          <a:blip r:embed="rId2"/>
+          <a:stretch>
+            <a:fillRect/>
+          </a:stretch>
+        </p:blipFill>
+        <p:spPr>
+          <a:xfrm>
+            <a:off x="685799" y="411805"/>
+            <a:ext cx="7772400" cy="445598"/>
+          </a:xfrm>
+          <a:prstGeom prst="rect">
+            <a:avLst/>
+          </a:prstGeom>
+        </p:spPr>
+      </p:pic>
+      <p:pic>
+        <p:nvPicPr>
+          <p:cNvPr id="10" name="Picture 9">
+            <a:extLst>
+              <a:ext uri="{FF2B5EF4-FFF2-40B4-BE49-F238E27FC236}">
+                <a16:creationId xmlns:a16="http://schemas.microsoft.com/office/drawing/2014/main" id="{8FA2EE90-56FF-DBA1-E000-0C729DFEEDF1}"/>
+              </a:ext>
+            </a:extLst>
+          </p:cNvPr>
+          <p:cNvPicPr>
+            <a:picLocks noChangeAspect="1"/>
+          </p:cNvPicPr>
+          <p:nvPr/>
+        </p:nvPicPr>
+        <p:blipFill>
+          <a:blip r:embed="rId3"/>
+          <a:stretch>
+            <a:fillRect/>
+          </a:stretch>
+        </p:blipFill>
+        <p:spPr>
+          <a:xfrm>
+            <a:off x="1547074" y="1063229"/>
+            <a:ext cx="6049851" cy="3924077"/>
+          </a:xfrm>
+          <a:prstGeom prst="rect">
+            <a:avLst/>
+          </a:prstGeom>
+        </p:spPr>
+      </p:pic>
+      <p:sp>
+        <p:nvSpPr>
+          <p:cNvPr id="15" name="TextBox 14">
+            <a:extLst>
+              <a:ext uri="{FF2B5EF4-FFF2-40B4-BE49-F238E27FC236}">
+                <a16:creationId xmlns:a16="http://schemas.microsoft.com/office/drawing/2014/main" id="{A16EF1F9-712C-5340-8FBC-976F7C325379}"/>
+              </a:ext>
+            </a:extLst>
+          </p:cNvPr>
+          <p:cNvSpPr txBox="1"/>
+          <p:nvPr/>
+        </p:nvSpPr>
+        <p:spPr>
+          <a:xfrm>
+            <a:off x="2286000" y="2388204"/>
+            <a:ext cx="4572000" cy="369332"/>
+          </a:xfrm>
+          <a:prstGeom prst="rect">
+            <a:avLst/>
+          </a:prstGeom>
+          <a:noFill/>
+        </p:spPr>
+        <p:txBody>
+          <a:bodyPr wrap="square">
+            <a:spAutoFit/>
+          </a:bodyPr>
+          <a:lstStyle/>
+          <a:p>
+            <a:endParaRPr lang="en-US" dirty="0"/>
+          </a:p>
+        </p:txBody>
+      </p:sp>
+      <mc:AlternateContent xmlns:mc="http://schemas.openxmlformats.org/markup-compatibility/2006">
+        <mc:Choice xmlns:a14="http://schemas.microsoft.com/office/drawing/2010/main" Requires="a14">
+          <p:sp>
+            <p:nvSpPr>
+              <p:cNvPr id="16" name="TextBox 15">
+                <a:extLst>
+                  <a:ext uri="{FF2B5EF4-FFF2-40B4-BE49-F238E27FC236}">
+                    <a16:creationId xmlns:a16="http://schemas.microsoft.com/office/drawing/2014/main" id="{3AFD9A02-5A4D-B806-29F4-44A8DEA69A15}"/>
+                  </a:ext>
+                </a:extLst>
+              </p:cNvPr>
+              <p:cNvSpPr txBox="1"/>
+              <p:nvPr/>
+            </p:nvSpPr>
+            <p:spPr>
+              <a:xfrm>
+                <a:off x="5683622" y="1063229"/>
+                <a:ext cx="4572000" cy="646331"/>
+              </a:xfrm>
+              <a:prstGeom prst="rect">
+                <a:avLst/>
+              </a:prstGeom>
+              <a:noFill/>
+            </p:spPr>
+            <p:txBody>
+              <a:bodyPr wrap="square">
+                <a:spAutoFit/>
+              </a:bodyPr>
+              <a:lstStyle/>
+              <a:p>
+                <a:pPr marL="0" lvl="0" indent="0">
+                  <a:buNone/>
+                </a:pPr>
+                <a14:m>
+                  <m:oMathPara xmlns:m="http://schemas.openxmlformats.org/officeDocument/2006/math">
+                    <m:oMathParaPr>
+                      <m:jc m:val="center"/>
+                    </m:oMathParaPr>
+                    <m:oMath xmlns:m="http://schemas.openxmlformats.org/officeDocument/2006/math">
+                      <m:sSub>
+                        <m:sSubPr>
+                          <m:ctrlPr>
+                            <a:rPr lang="ar-AE" i="1" smtClean="0">
+                              <a:latin typeface="Cambria Math" panose="02040503050406030204" pitchFamily="18" charset="0"/>
+                            </a:rPr>
+                          </m:ctrlPr>
+                        </m:sSubPr>
+                        <m:e>
+                          <m:r>
+                            <a:rPr lang="ar-AE">
+                              <a:latin typeface="Cambria Math" panose="02040503050406030204" pitchFamily="18" charset="0"/>
+                            </a:rPr>
+                            <m:t>𝑢</m:t>
+                          </m:r>
+                        </m:e>
+                        <m:sub>
+                          <m:r>
+                            <a:rPr lang="ar-AE">
+                              <a:latin typeface="Cambria Math" panose="02040503050406030204" pitchFamily="18" charset="0"/>
+                            </a:rPr>
+                            <m:t>𝛼</m:t>
+                          </m:r>
+                          <m:r>
+                            <a:rPr lang="ar-AE">
+                              <a:latin typeface="Cambria Math" panose="02040503050406030204" pitchFamily="18" charset="0"/>
+                            </a:rPr>
+                            <m:t>𝑧</m:t>
+                          </m:r>
+                        </m:sub>
+                      </m:sSub>
+                      <m:box>
+                        <m:boxPr>
+                          <m:ctrlPr>
+                            <a:rPr lang="ar-AE" i="1">
+                              <a:latin typeface="Cambria Math" panose="02040503050406030204" pitchFamily="18" charset="0"/>
+                            </a:rPr>
+                          </m:ctrlPr>
+                        </m:boxPr>
+                        <m:e>
+                          <m:r>
+                            <a:rPr lang="ar-AE">
+                              <a:latin typeface="Cambria Math" panose="02040503050406030204" pitchFamily="18" charset="0"/>
+                            </a:rPr>
+                            <m:t>:=</m:t>
+                          </m:r>
+                        </m:e>
+                      </m:box>
+                      <m:sSub>
+                        <m:sSubPr>
+                          <m:ctrlPr>
+                            <a:rPr lang="ar-AE" i="1" smtClean="0">
+                              <a:solidFill>
+                                <a:srgbClr val="FF0000"/>
+                              </a:solidFill>
+                              <a:latin typeface="Cambria Math" panose="02040503050406030204" pitchFamily="18" charset="0"/>
+                            </a:rPr>
+                          </m:ctrlPr>
+                        </m:sSubPr>
+                        <m:e>
+                          <m:r>
+                            <a:rPr lang="ar-AE">
+                              <a:solidFill>
+                                <a:srgbClr val="FF0000"/>
+                              </a:solidFill>
+                              <a:latin typeface="Cambria Math" panose="02040503050406030204" pitchFamily="18" charset="0"/>
+                            </a:rPr>
+                            <m:t>𝜆</m:t>
+                          </m:r>
+                        </m:e>
+                        <m:sub>
+                          <m:r>
+                            <a:rPr lang="ar-AE">
+                              <a:solidFill>
+                                <a:srgbClr val="FF0000"/>
+                              </a:solidFill>
+                              <a:latin typeface="Cambria Math" panose="02040503050406030204" pitchFamily="18" charset="0"/>
+                            </a:rPr>
+                            <m:t>𝛼</m:t>
+                          </m:r>
+                          <m:r>
+                            <a:rPr lang="ar-AE">
+                              <a:solidFill>
+                                <a:srgbClr val="FF0000"/>
+                              </a:solidFill>
+                              <a:latin typeface="Cambria Math" panose="02040503050406030204" pitchFamily="18" charset="0"/>
+                            </a:rPr>
+                            <m:t>𝑧</m:t>
+                          </m:r>
+                        </m:sub>
+                      </m:sSub>
+                      <m:sSub>
+                        <m:sSubPr>
+                          <m:ctrlPr>
+                            <a:rPr lang="ar-AE" i="1">
+                              <a:latin typeface="Cambria Math" panose="02040503050406030204" pitchFamily="18" charset="0"/>
+                            </a:rPr>
+                          </m:ctrlPr>
+                        </m:sSubPr>
+                        <m:e>
+                          <m:r>
+                            <a:rPr lang="ar-AE">
+                              <a:latin typeface="Cambria Math" panose="02040503050406030204" pitchFamily="18" charset="0"/>
+                            </a:rPr>
+                            <m:t>𝑢</m:t>
+                          </m:r>
+                        </m:e>
+                        <m:sub>
+                          <m:r>
+                            <a:rPr lang="ar-AE">
+                              <a:latin typeface="Cambria Math" panose="02040503050406030204" pitchFamily="18" charset="0"/>
+                            </a:rPr>
+                            <m:t>1</m:t>
+                          </m:r>
+                          <m:r>
+                            <a:rPr lang="ar-AE">
+                              <a:latin typeface="Cambria Math" panose="02040503050406030204" pitchFamily="18" charset="0"/>
+                            </a:rPr>
+                            <m:t>𝑧</m:t>
+                          </m:r>
+                        </m:sub>
+                      </m:sSub>
+                    </m:oMath>
+                  </m:oMathPara>
+                </a14:m>
+                <a:endParaRPr lang="en-US" i="1" dirty="0">
+                  <a:latin typeface="Cambria Math" panose="02040503050406030204" pitchFamily="18" charset="0"/>
+                </a:endParaRPr>
+              </a:p>
+              <a:p>
+                <a:pPr marL="0" lvl="0" indent="0">
+                  <a:buNone/>
+                </a:pPr>
+                <a14:m>
+                  <m:oMathPara xmlns:m="http://schemas.openxmlformats.org/officeDocument/2006/math">
+                    <m:oMathParaPr>
+                      <m:jc m:val="center"/>
+                    </m:oMathParaPr>
+                    <m:oMath xmlns:m="http://schemas.openxmlformats.org/officeDocument/2006/math">
+                      <m:sSub>
+                        <m:sSubPr>
+                          <m:ctrlPr>
+                            <a:rPr lang="ar-AE" i="1">
+                              <a:latin typeface="Cambria Math" panose="02040503050406030204" pitchFamily="18" charset="0"/>
+                            </a:rPr>
+                          </m:ctrlPr>
+                        </m:sSubPr>
+                        <m:e>
+                          <m:r>
+                            <a:rPr lang="ar-AE">
+                              <a:latin typeface="Cambria Math" panose="02040503050406030204" pitchFamily="18" charset="0"/>
+                            </a:rPr>
+                            <m:t>𝑛</m:t>
+                          </m:r>
+                        </m:e>
+                        <m:sub>
+                          <m:r>
+                            <a:rPr lang="ar-AE">
+                              <a:latin typeface="Cambria Math" panose="02040503050406030204" pitchFamily="18" charset="0"/>
+                            </a:rPr>
+                            <m:t>𝛼</m:t>
+                          </m:r>
+                        </m:sub>
+                      </m:sSub>
+                      <m:box>
+                        <m:boxPr>
+                          <m:ctrlPr>
+                            <a:rPr lang="ar-AE" i="1">
+                              <a:latin typeface="Cambria Math" panose="02040503050406030204" pitchFamily="18" charset="0"/>
+                            </a:rPr>
+                          </m:ctrlPr>
+                        </m:boxPr>
+                        <m:e>
+                          <m:r>
+                            <a:rPr lang="ar-AE">
+                              <a:latin typeface="Cambria Math" panose="02040503050406030204" pitchFamily="18" charset="0"/>
+                            </a:rPr>
+                            <m:t>:=</m:t>
+                          </m:r>
+                        </m:e>
+                      </m:box>
+                      <m:sSub>
+                        <m:sSubPr>
+                          <m:ctrlPr>
+                            <a:rPr lang="ar-AE" i="1" smtClean="0">
+                              <a:solidFill>
+                                <a:srgbClr val="FF0000"/>
+                              </a:solidFill>
+                              <a:latin typeface="Cambria Math" panose="02040503050406030204" pitchFamily="18" charset="0"/>
+                            </a:rPr>
+                          </m:ctrlPr>
+                        </m:sSubPr>
+                        <m:e>
+                          <m:r>
+                            <a:rPr lang="ar-AE">
+                              <a:solidFill>
+                                <a:srgbClr val="FF0000"/>
+                              </a:solidFill>
+                              <a:latin typeface="Cambria Math" panose="02040503050406030204" pitchFamily="18" charset="0"/>
+                            </a:rPr>
+                            <m:t>𝜆</m:t>
+                          </m:r>
+                        </m:e>
+                        <m:sub>
+                          <m:r>
+                            <a:rPr lang="ar-AE">
+                              <a:solidFill>
+                                <a:srgbClr val="FF0000"/>
+                              </a:solidFill>
+                              <a:latin typeface="Cambria Math" panose="02040503050406030204" pitchFamily="18" charset="0"/>
+                            </a:rPr>
+                            <m:t>𝛼</m:t>
+                          </m:r>
+                          <m:r>
+                            <a:rPr lang="ar-AE">
+                              <a:solidFill>
+                                <a:srgbClr val="FF0000"/>
+                              </a:solidFill>
+                              <a:latin typeface="Cambria Math" panose="02040503050406030204" pitchFamily="18" charset="0"/>
+                            </a:rPr>
+                            <m:t>𝑛</m:t>
+                          </m:r>
+                        </m:sub>
+                      </m:sSub>
+                      <m:sSub>
+                        <m:sSubPr>
+                          <m:ctrlPr>
+                            <a:rPr lang="ar-AE" i="1">
+                              <a:latin typeface="Cambria Math" panose="02040503050406030204" pitchFamily="18" charset="0"/>
+                            </a:rPr>
+                          </m:ctrlPr>
+                        </m:sSubPr>
+                        <m:e>
+                          <m:r>
+                            <a:rPr lang="ar-AE">
+                              <a:latin typeface="Cambria Math" panose="02040503050406030204" pitchFamily="18" charset="0"/>
+                            </a:rPr>
+                            <m:t>𝑛</m:t>
+                          </m:r>
+                        </m:e>
+                        <m:sub>
+                          <m:r>
+                            <a:rPr lang="ar-AE">
+                              <a:latin typeface="Cambria Math" panose="02040503050406030204" pitchFamily="18" charset="0"/>
+                            </a:rPr>
+                            <m:t>1</m:t>
+                          </m:r>
+                        </m:sub>
+                      </m:sSub>
+                    </m:oMath>
+                  </m:oMathPara>
+                </a14:m>
+                <a:endParaRPr lang="ar-AE" dirty="0"/>
+              </a:p>
+            </p:txBody>
+          </p:sp>
+        </mc:Choice>
+        <mc:Fallback>
+          <p:sp>
+            <p:nvSpPr>
+              <p:cNvPr id="16" name="TextBox 15">
+                <a:extLst>
+                  <a:ext uri="{FF2B5EF4-FFF2-40B4-BE49-F238E27FC236}">
+                    <a16:creationId xmlns:a16="http://schemas.microsoft.com/office/drawing/2014/main" id="{3AFD9A02-5A4D-B806-29F4-44A8DEA69A15}"/>
+                  </a:ext>
+                </a:extLst>
+              </p:cNvPr>
+              <p:cNvSpPr txBox="1">
+                <a:spLocks noRot="1" noChangeAspect="1" noMove="1" noResize="1" noEditPoints="1" noAdjustHandles="1" noChangeArrowheads="1" noChangeShapeType="1" noTextEdit="1"/>
+              </p:cNvSpPr>
+              <p:nvPr/>
+            </p:nvSpPr>
+            <p:spPr>
+              <a:xfrm>
+                <a:off x="5683622" y="1063229"/>
+                <a:ext cx="4572000" cy="646331"/>
+              </a:xfrm>
+              <a:prstGeom prst="rect">
+                <a:avLst/>
+              </a:prstGeom>
+              <a:blipFill>
+                <a:blip r:embed="rId4"/>
+                <a:stretch>
+                  <a:fillRect b="-13462"/>
+                </a:stretch>
+              </a:blipFill>
+            </p:spPr>
+            <p:txBody>
+              <a:bodyPr/>
+              <a:lstStyle/>
+              <a:p>
+                <a:r>
+                  <a:rPr lang="en-US">
+                    <a:noFill/>
+                  </a:rPr>
+                  <a:t> </a:t>
+                </a:r>
+              </a:p>
+            </p:txBody>
+          </p:sp>
+        </mc:Fallback>
+      </mc:AlternateContent>
+    </p:spTree>
+    <p:extLst>
+      <p:ext uri="{BB962C8B-B14F-4D97-AF65-F5344CB8AC3E}">
+        <p14:creationId xmlns:p14="http://schemas.microsoft.com/office/powerpoint/2010/main" val="2282384576"/>
+      </p:ext>
+    </p:extLst>
+  </p:cSld>
+  <p:clrMapOvr>
+    <a:masterClrMapping/>
+  </p:clrMapOvr>
+</p:sld>
+</file>
+
+<file path=ppt/slides/slide15.xml><?xml version="1.0" encoding="utf-8"?>
+<p:sld xmlns:a="http://schemas.openxmlformats.org/drawingml/2006/main" xmlns:r="http://schemas.openxmlformats.org/officeDocument/2006/relationships" xmlns:p="http://schemas.openxmlformats.org/presentationml/2006/main">
+  <p:cSld>
+    <p:spTree>
+      <p:nvGrpSpPr>
+        <p:cNvPr id="1" name=""/>
+        <p:cNvGrpSpPr/>
+        <p:nvPr/>
+      </p:nvGrpSpPr>
+      <p:grpSpPr>
+        <a:xfrm>
+          <a:off x="0" y="0"/>
+          <a:ext cx="0" cy="0"/>
+          <a:chOff x="0" y="0"/>
+          <a:chExt cx="0" cy="0"/>
+        </a:xfrm>
+      </p:grpSpPr>
+      <p:sp>
+        <p:nvSpPr>
+          <p:cNvPr id="2" name="Title 1">
+            <a:extLst>
+              <a:ext uri="{FF2B5EF4-FFF2-40B4-BE49-F238E27FC236}">
+                <a16:creationId xmlns:a16="http://schemas.microsoft.com/office/drawing/2014/main" id="{DC60F1D2-23A5-7D9D-969C-A9EC2EFCB93B}"/>
+              </a:ext>
+            </a:extLst>
+          </p:cNvPr>
+          <p:cNvSpPr>
+            <a:spLocks noGrp="1"/>
+          </p:cNvSpPr>
+          <p:nvPr>
+            <p:ph type="title"/>
+          </p:nvPr>
+        </p:nvSpPr>
+        <p:spPr/>
+        <p:txBody>
+          <a:bodyPr/>
+          <a:lstStyle/>
+          <a:p>
+            <a:endParaRPr lang="en-US"/>
+          </a:p>
+        </p:txBody>
+      </p:sp>
+      <p:pic>
+        <p:nvPicPr>
+          <p:cNvPr id="6" name="Picture 5">
+            <a:extLst>
+              <a:ext uri="{FF2B5EF4-FFF2-40B4-BE49-F238E27FC236}">
+                <a16:creationId xmlns:a16="http://schemas.microsoft.com/office/drawing/2014/main" id="{079426EC-7E32-06E8-BA5F-1A7CBFFD1285}"/>
+              </a:ext>
+            </a:extLst>
+          </p:cNvPr>
+          <p:cNvPicPr>
+            <a:picLocks noChangeAspect="1"/>
+          </p:cNvPicPr>
+          <p:nvPr/>
+        </p:nvPicPr>
+        <p:blipFill>
+          <a:blip r:embed="rId2"/>
+          <a:stretch>
+            <a:fillRect/>
+          </a:stretch>
+        </p:blipFill>
+        <p:spPr>
+          <a:xfrm>
+            <a:off x="3654927" y="1361513"/>
+            <a:ext cx="5309779" cy="3394075"/>
+          </a:xfrm>
+          <a:prstGeom prst="rect">
+            <a:avLst/>
+          </a:prstGeom>
+        </p:spPr>
+      </p:pic>
+      <p:pic>
+        <p:nvPicPr>
+          <p:cNvPr id="5" name="Content Placeholder 4">
+            <a:extLst>
+              <a:ext uri="{FF2B5EF4-FFF2-40B4-BE49-F238E27FC236}">
+                <a16:creationId xmlns:a16="http://schemas.microsoft.com/office/drawing/2014/main" id="{5CD63431-0495-73C1-5510-0A13F11AF67F}"/>
+              </a:ext>
+            </a:extLst>
+          </p:cNvPr>
+          <p:cNvPicPr>
+            <a:picLocks noGrp="1" noChangeAspect="1"/>
+          </p:cNvPicPr>
+          <p:nvPr>
+            <p:ph idx="1"/>
+          </p:nvPr>
+        </p:nvPicPr>
+        <p:blipFill>
+          <a:blip r:embed="rId3"/>
+          <a:stretch>
+            <a:fillRect/>
+          </a:stretch>
+        </p:blipFill>
+        <p:spPr>
+          <a:xfrm>
+            <a:off x="0" y="1361514"/>
+            <a:ext cx="5324515" cy="3394075"/>
+          </a:xfrm>
+          <a:prstGeom prst="rect">
+            <a:avLst/>
+          </a:prstGeom>
+        </p:spPr>
+      </p:pic>
+    </p:spTree>
+    <p:extLst>
+      <p:ext uri="{BB962C8B-B14F-4D97-AF65-F5344CB8AC3E}">
+        <p14:creationId xmlns:p14="http://schemas.microsoft.com/office/powerpoint/2010/main" val="4264891922"/>
+      </p:ext>
+    </p:extLst>
+  </p:cSld>
+  <p:clrMapOvr>
+    <a:masterClrMapping/>
+  </p:clrMapOvr>
+</p:sld>
+</file>
+
+<file path=ppt/slides/slide16.xml><?xml version="1.0" encoding="utf-8"?>
+<p:sld xmlns:a="http://schemas.openxmlformats.org/drawingml/2006/main" xmlns:r="http://schemas.openxmlformats.org/officeDocument/2006/relationships" xmlns:p="http://schemas.openxmlformats.org/presentationml/2006/main">
+  <p:cSld>
+    <p:spTree>
+      <p:nvGrpSpPr>
+        <p:cNvPr id="1" name=""/>
+        <p:cNvGrpSpPr/>
+        <p:nvPr/>
+      </p:nvGrpSpPr>
+      <p:grpSpPr>
+        <a:xfrm>
+          <a:off x="0" y="0"/>
+          <a:ext cx="0" cy="0"/>
+          <a:chOff x="0" y="0"/>
+          <a:chExt cx="0" cy="0"/>
+        </a:xfrm>
+      </p:grpSpPr>
+      <p:sp>
+        <p:nvSpPr>
+          <p:cNvPr id="2" name="Title 1">
+            <a:extLst>
+              <a:ext uri="{FF2B5EF4-FFF2-40B4-BE49-F238E27FC236}">
+                <a16:creationId xmlns:a16="http://schemas.microsoft.com/office/drawing/2014/main" id="{9569917C-5A97-1026-2DBB-AAF42C706F02}"/>
+              </a:ext>
+            </a:extLst>
+          </p:cNvPr>
+          <p:cNvSpPr>
+            <a:spLocks noGrp="1"/>
+          </p:cNvSpPr>
+          <p:nvPr>
+            <p:ph type="title"/>
+          </p:nvPr>
+        </p:nvSpPr>
+        <p:spPr/>
+        <p:txBody>
+          <a:bodyPr/>
+          <a:lstStyle/>
+          <a:p>
+            <a:endParaRPr lang="en-US"/>
+          </a:p>
+        </p:txBody>
+      </p:sp>
+      <p:pic>
+        <p:nvPicPr>
+          <p:cNvPr id="6" name="Content Placeholder 5">
+            <a:extLst>
+              <a:ext uri="{FF2B5EF4-FFF2-40B4-BE49-F238E27FC236}">
+                <a16:creationId xmlns:a16="http://schemas.microsoft.com/office/drawing/2014/main" id="{F98EB6CC-6B88-6AE9-B4E5-14B6BAADA40A}"/>
+              </a:ext>
+            </a:extLst>
+          </p:cNvPr>
+          <p:cNvPicPr>
+            <a:picLocks noGrp="1" noChangeAspect="1"/>
+          </p:cNvPicPr>
+          <p:nvPr>
+            <p:ph idx="1"/>
+          </p:nvPr>
+        </p:nvPicPr>
+        <p:blipFill>
+          <a:blip r:embed="rId2"/>
+          <a:stretch>
+            <a:fillRect/>
+          </a:stretch>
+        </p:blipFill>
+        <p:spPr>
+          <a:xfrm>
+            <a:off x="917068" y="1200150"/>
+            <a:ext cx="7309864" cy="3394075"/>
+          </a:xfrm>
+          <a:prstGeom prst="rect">
+            <a:avLst/>
+          </a:prstGeom>
+        </p:spPr>
+      </p:pic>
+      <mc:AlternateContent xmlns:mc="http://schemas.openxmlformats.org/markup-compatibility/2006">
+        <mc:Choice xmlns:a14="http://schemas.microsoft.com/office/drawing/2010/main" Requires="a14">
+          <p:sp>
+            <p:nvSpPr>
+              <p:cNvPr id="7" name="TextBox 6">
+                <a:extLst>
+                  <a:ext uri="{FF2B5EF4-FFF2-40B4-BE49-F238E27FC236}">
+                    <a16:creationId xmlns:a16="http://schemas.microsoft.com/office/drawing/2014/main" id="{5B8EE31D-5C51-2C00-9856-0E0E1257E8B2}"/>
+                  </a:ext>
+                </a:extLst>
+              </p:cNvPr>
+              <p:cNvSpPr txBox="1"/>
+              <p:nvPr/>
+            </p:nvSpPr>
+            <p:spPr>
+              <a:xfrm>
+                <a:off x="5567080" y="3943350"/>
+                <a:ext cx="4572000" cy="369332"/>
+              </a:xfrm>
+              <a:prstGeom prst="rect">
+                <a:avLst/>
+              </a:prstGeom>
+              <a:noFill/>
+            </p:spPr>
+            <p:txBody>
+              <a:bodyPr wrap="square">
+                <a:spAutoFit/>
+              </a:bodyPr>
+              <a:lstStyle/>
+              <a:p>
+                <a:pPr marL="0" lvl="0" indent="0">
+                  <a:buNone/>
+                </a:pPr>
+                <a14:m>
+                  <m:oMathPara xmlns:m="http://schemas.openxmlformats.org/officeDocument/2006/math">
+                    <m:oMathParaPr>
+                      <m:jc m:val="center"/>
+                    </m:oMathParaPr>
+                    <m:oMath xmlns:m="http://schemas.openxmlformats.org/officeDocument/2006/math">
+                      <m:sSub>
+                        <m:sSubPr>
+                          <m:ctrlPr>
+                            <a:rPr lang="ar-AE" i="1">
+                              <a:latin typeface="Cambria Math" panose="02040503050406030204" pitchFamily="18" charset="0"/>
+                            </a:rPr>
+                          </m:ctrlPr>
+                        </m:sSubPr>
+                        <m:e>
+                          <m:r>
+                            <a:rPr lang="ar-AE">
+                              <a:latin typeface="Cambria Math" panose="02040503050406030204" pitchFamily="18" charset="0"/>
+                            </a:rPr>
+                            <m:t>𝑛</m:t>
+                          </m:r>
+                        </m:e>
+                        <m:sub>
+                          <m:r>
+                            <a:rPr lang="ar-AE">
+                              <a:latin typeface="Cambria Math" panose="02040503050406030204" pitchFamily="18" charset="0"/>
+                            </a:rPr>
+                            <m:t>𝛼</m:t>
+                          </m:r>
+                        </m:sub>
+                      </m:sSub>
+                      <m:box>
+                        <m:boxPr>
+                          <m:ctrlPr>
+                            <a:rPr lang="ar-AE" i="1">
+                              <a:latin typeface="Cambria Math" panose="02040503050406030204" pitchFamily="18" charset="0"/>
+                            </a:rPr>
+                          </m:ctrlPr>
+                        </m:boxPr>
+                        <m:e>
+                          <m:r>
+                            <a:rPr lang="ar-AE">
+                              <a:latin typeface="Cambria Math" panose="02040503050406030204" pitchFamily="18" charset="0"/>
+                            </a:rPr>
+                            <m:t>:=</m:t>
+                          </m:r>
+                        </m:e>
+                      </m:box>
+                      <m:sSub>
+                        <m:sSubPr>
+                          <m:ctrlPr>
+                            <a:rPr lang="ar-AE" i="1" smtClean="0">
+                              <a:solidFill>
+                                <a:srgbClr val="FF0000"/>
+                              </a:solidFill>
+                              <a:latin typeface="Cambria Math" panose="02040503050406030204" pitchFamily="18" charset="0"/>
+                            </a:rPr>
+                          </m:ctrlPr>
+                        </m:sSubPr>
+                        <m:e>
+                          <m:r>
+                            <a:rPr lang="ar-AE">
+                              <a:solidFill>
+                                <a:srgbClr val="FF0000"/>
+                              </a:solidFill>
+                              <a:latin typeface="Cambria Math" panose="02040503050406030204" pitchFamily="18" charset="0"/>
+                            </a:rPr>
+                            <m:t>𝜆</m:t>
+                          </m:r>
+                        </m:e>
+                        <m:sub>
+                          <m:r>
+                            <a:rPr lang="ar-AE">
+                              <a:solidFill>
+                                <a:srgbClr val="FF0000"/>
+                              </a:solidFill>
+                              <a:latin typeface="Cambria Math" panose="02040503050406030204" pitchFamily="18" charset="0"/>
+                            </a:rPr>
+                            <m:t>𝛼</m:t>
+                          </m:r>
+                          <m:r>
+                            <a:rPr lang="ar-AE">
+                              <a:solidFill>
+                                <a:srgbClr val="FF0000"/>
+                              </a:solidFill>
+                              <a:latin typeface="Cambria Math" panose="02040503050406030204" pitchFamily="18" charset="0"/>
+                            </a:rPr>
+                            <m:t>𝑛</m:t>
+                          </m:r>
+                        </m:sub>
+                      </m:sSub>
+                      <m:sSub>
+                        <m:sSubPr>
+                          <m:ctrlPr>
+                            <a:rPr lang="ar-AE" i="1">
+                              <a:latin typeface="Cambria Math" panose="02040503050406030204" pitchFamily="18" charset="0"/>
+                            </a:rPr>
+                          </m:ctrlPr>
+                        </m:sSubPr>
+                        <m:e>
+                          <m:r>
+                            <a:rPr lang="ar-AE">
+                              <a:latin typeface="Cambria Math" panose="02040503050406030204" pitchFamily="18" charset="0"/>
+                            </a:rPr>
+                            <m:t>𝑛</m:t>
+                          </m:r>
+                        </m:e>
+                        <m:sub>
+                          <m:r>
+                            <a:rPr lang="ar-AE">
+                              <a:latin typeface="Cambria Math" panose="02040503050406030204" pitchFamily="18" charset="0"/>
+                            </a:rPr>
+                            <m:t>1</m:t>
+                          </m:r>
+                        </m:sub>
+                      </m:sSub>
+                    </m:oMath>
+                  </m:oMathPara>
+                </a14:m>
+                <a:endParaRPr lang="ar-AE" dirty="0"/>
+              </a:p>
+            </p:txBody>
+          </p:sp>
+        </mc:Choice>
+        <mc:Fallback>
+          <p:sp>
+            <p:nvSpPr>
+              <p:cNvPr id="7" name="TextBox 6">
+                <a:extLst>
+                  <a:ext uri="{FF2B5EF4-FFF2-40B4-BE49-F238E27FC236}">
+                    <a16:creationId xmlns:a16="http://schemas.microsoft.com/office/drawing/2014/main" id="{5B8EE31D-5C51-2C00-9856-0E0E1257E8B2}"/>
+                  </a:ext>
+                </a:extLst>
+              </p:cNvPr>
+              <p:cNvSpPr txBox="1">
+                <a:spLocks noRot="1" noChangeAspect="1" noMove="1" noResize="1" noEditPoints="1" noAdjustHandles="1" noChangeArrowheads="1" noChangeShapeType="1" noTextEdit="1"/>
+              </p:cNvSpPr>
+              <p:nvPr/>
+            </p:nvSpPr>
+            <p:spPr>
+              <a:xfrm>
+                <a:off x="5567080" y="3943350"/>
+                <a:ext cx="4572000" cy="369332"/>
+              </a:xfrm>
+              <a:prstGeom prst="rect">
+                <a:avLst/>
+              </a:prstGeom>
+              <a:blipFill>
+                <a:blip r:embed="rId3"/>
+                <a:stretch>
+                  <a:fillRect t="-6667" b="-26667"/>
+                </a:stretch>
+              </a:blipFill>
+            </p:spPr>
+            <p:txBody>
+              <a:bodyPr/>
+              <a:lstStyle/>
+              <a:p>
+                <a:r>
+                  <a:rPr lang="en-US">
+                    <a:noFill/>
+                  </a:rPr>
+                  <a:t> </a:t>
+                </a:r>
+              </a:p>
+            </p:txBody>
+          </p:sp>
+        </mc:Fallback>
+      </mc:AlternateContent>
+    </p:spTree>
+    <p:extLst>
+      <p:ext uri="{BB962C8B-B14F-4D97-AF65-F5344CB8AC3E}">
+        <p14:creationId xmlns:p14="http://schemas.microsoft.com/office/powerpoint/2010/main" val="4055265022"/>
+      </p:ext>
+    </p:extLst>
+  </p:cSld>
+  <p:clrMapOvr>
+    <a:masterClrMapping/>
+  </p:clrMapOvr>
+</p:sld>
+</file>
+
+<file path=ppt/slides/slide17.xml><?xml version="1.0" encoding="utf-8"?>
+<p:sld xmlns:a="http://schemas.openxmlformats.org/drawingml/2006/main" xmlns:r="http://schemas.openxmlformats.org/officeDocument/2006/relationships" xmlns:p="http://schemas.openxmlformats.org/presentationml/2006/main">
+  <p:cSld>
+    <p:spTree>
+      <p:nvGrpSpPr>
+        <p:cNvPr id="1" name=""/>
+        <p:cNvGrpSpPr/>
+        <p:nvPr/>
+      </p:nvGrpSpPr>
+      <p:grpSpPr>
+        <a:xfrm>
+          <a:off x="0" y="0"/>
+          <a:ext cx="0" cy="0"/>
+          <a:chOff x="0" y="0"/>
+          <a:chExt cx="0" cy="0"/>
+        </a:xfrm>
+      </p:grpSpPr>
       <p:sp>
         <p:nvSpPr>
           <p:cNvPr id="2" name="Title 1"/>
@@ -8720,7 +9592,7 @@
 </p:sld>
 </file>
 
-<file path=ppt/slides/slide15.xml><?xml version="1.0" encoding="utf-8"?>
+<file path=ppt/slides/slide18.xml><?xml version="1.0" encoding="utf-8"?>
 <p:sld xmlns:a="http://schemas.openxmlformats.org/drawingml/2006/main" xmlns:r="http://schemas.openxmlformats.org/officeDocument/2006/relationships" xmlns:p="http://schemas.openxmlformats.org/presentationml/2006/main">
   <p:cSld>
     <p:spTree>
